--- a/Innov/csop2.pptx
+++ b/Innov/csop2.pptx
@@ -5,7 +5,7 @@
     <p:sldMasterId id="2147483660" r:id="rId1"/>
   </p:sldMasterIdLst>
   <p:notesMasterIdLst>
-    <p:notesMasterId r:id="rId11"/>
+    <p:notesMasterId r:id="rId16"/>
   </p:notesMasterIdLst>
   <p:sldIdLst>
     <p:sldId id="256" r:id="rId2"/>
@@ -17,6 +17,11 @@
     <p:sldId id="262" r:id="rId8"/>
     <p:sldId id="263" r:id="rId9"/>
     <p:sldId id="264" r:id="rId10"/>
+    <p:sldId id="265" r:id="rId11"/>
+    <p:sldId id="266" r:id="rId12"/>
+    <p:sldId id="267" r:id="rId13"/>
+    <p:sldId id="268" r:id="rId14"/>
+    <p:sldId id="269" r:id="rId15"/>
   </p:sldIdLst>
   <p:sldSz cx="12192000" cy="6858000"/>
   <p:notesSz cx="6858000" cy="9144000"/>
@@ -205,7 +210,7 @@
           <a:p>
             <a:fld id="{3C5ED598-6E12-4F57-B819-8499CC9030FF}" type="datetimeFigureOut">
               <a:rPr lang="hu-HU" smtClean="0"/>
-              <a:t>2025. 04. 06.</a:t>
+              <a:t>2025. 04. 09.</a:t>
             </a:fld>
             <a:endParaRPr lang="hu-HU"/>
           </a:p>
@@ -1183,7 +1188,7 @@
           <a:p>
             <a:fld id="{7A981A49-1134-4C8A-838E-B7F84D3B52DD}" type="datetimeFigureOut">
               <a:rPr lang="hu-HU" smtClean="0"/>
-              <a:t>2025. 04. 06.</a:t>
+              <a:t>2025. 04. 09.</a:t>
             </a:fld>
             <a:endParaRPr lang="hu-HU"/>
           </a:p>
@@ -1474,7 +1479,7 @@
           <a:p>
             <a:fld id="{7A981A49-1134-4C8A-838E-B7F84D3B52DD}" type="datetimeFigureOut">
               <a:rPr lang="hu-HU" smtClean="0"/>
-              <a:t>2025. 04. 06.</a:t>
+              <a:t>2025. 04. 09.</a:t>
             </a:fld>
             <a:endParaRPr lang="hu-HU"/>
           </a:p>
@@ -1733,7 +1738,7 @@
           <a:p>
             <a:fld id="{7A981A49-1134-4C8A-838E-B7F84D3B52DD}" type="datetimeFigureOut">
               <a:rPr lang="hu-HU" smtClean="0"/>
-              <a:t>2025. 04. 06.</a:t>
+              <a:t>2025. 04. 09.</a:t>
             </a:fld>
             <a:endParaRPr lang="hu-HU"/>
           </a:p>
@@ -2202,7 +2207,7 @@
           <a:p>
             <a:fld id="{7A981A49-1134-4C8A-838E-B7F84D3B52DD}" type="datetimeFigureOut">
               <a:rPr lang="hu-HU" smtClean="0"/>
-              <a:t>2025. 04. 06.</a:t>
+              <a:t>2025. 04. 09.</a:t>
             </a:fld>
             <a:endParaRPr lang="hu-HU"/>
           </a:p>
@@ -2382,7 +2387,7 @@
           <a:p>
             <a:fld id="{7A981A49-1134-4C8A-838E-B7F84D3B52DD}" type="datetimeFigureOut">
               <a:rPr lang="hu-HU" smtClean="0"/>
-              <a:t>2025. 04. 06.</a:t>
+              <a:t>2025. 04. 09.</a:t>
             </a:fld>
             <a:endParaRPr lang="hu-HU"/>
           </a:p>
@@ -2958,7 +2963,7 @@
           <a:p>
             <a:fld id="{7A981A49-1134-4C8A-838E-B7F84D3B52DD}" type="datetimeFigureOut">
               <a:rPr lang="hu-HU" smtClean="0"/>
-              <a:t>2025. 04. 06.</a:t>
+              <a:t>2025. 04. 09.</a:t>
             </a:fld>
             <a:endParaRPr lang="hu-HU"/>
           </a:p>
@@ -3290,7 +3295,7 @@
           <a:p>
             <a:fld id="{7A981A49-1134-4C8A-838E-B7F84D3B52DD}" type="datetimeFigureOut">
               <a:rPr lang="hu-HU" smtClean="0"/>
-              <a:t>2025. 04. 06.</a:t>
+              <a:t>2025. 04. 09.</a:t>
             </a:fld>
             <a:endParaRPr lang="hu-HU"/>
           </a:p>
@@ -3465,7 +3470,7 @@
           <a:p>
             <a:fld id="{7A981A49-1134-4C8A-838E-B7F84D3B52DD}" type="datetimeFigureOut">
               <a:rPr lang="hu-HU" smtClean="0"/>
-              <a:t>2025. 04. 06.</a:t>
+              <a:t>2025. 04. 09.</a:t>
             </a:fld>
             <a:endParaRPr lang="hu-HU"/>
           </a:p>
@@ -3645,7 +3650,7 @@
           <a:p>
             <a:fld id="{7A981A49-1134-4C8A-838E-B7F84D3B52DD}" type="datetimeFigureOut">
               <a:rPr lang="hu-HU" smtClean="0"/>
-              <a:t>2025. 04. 06.</a:t>
+              <a:t>2025. 04. 09.</a:t>
             </a:fld>
             <a:endParaRPr lang="hu-HU"/>
           </a:p>
@@ -3815,7 +3820,7 @@
           <a:p>
             <a:fld id="{7A981A49-1134-4C8A-838E-B7F84D3B52DD}" type="datetimeFigureOut">
               <a:rPr lang="hu-HU" smtClean="0"/>
-              <a:t>2025. 04. 06.</a:t>
+              <a:t>2025. 04. 09.</a:t>
             </a:fld>
             <a:endParaRPr lang="hu-HU"/>
           </a:p>
@@ -4072,7 +4077,7 @@
           <a:p>
             <a:fld id="{7A981A49-1134-4C8A-838E-B7F84D3B52DD}" type="datetimeFigureOut">
               <a:rPr lang="hu-HU" smtClean="0"/>
-              <a:t>2025. 04. 06.</a:t>
+              <a:t>2025. 04. 09.</a:t>
             </a:fld>
             <a:endParaRPr lang="hu-HU"/>
           </a:p>
@@ -4364,7 +4369,7 @@
           <a:p>
             <a:fld id="{7A981A49-1134-4C8A-838E-B7F84D3B52DD}" type="datetimeFigureOut">
               <a:rPr lang="hu-HU" smtClean="0"/>
-              <a:t>2025. 04. 06.</a:t>
+              <a:t>2025. 04. 09.</a:t>
             </a:fld>
             <a:endParaRPr lang="hu-HU"/>
           </a:p>
@@ -4794,7 +4799,7 @@
           <a:p>
             <a:fld id="{7A981A49-1134-4C8A-838E-B7F84D3B52DD}" type="datetimeFigureOut">
               <a:rPr lang="hu-HU" smtClean="0"/>
-              <a:t>2025. 04. 06.</a:t>
+              <a:t>2025. 04. 09.</a:t>
             </a:fld>
             <a:endParaRPr lang="hu-HU"/>
           </a:p>
@@ -4912,7 +4917,7 @@
           <a:p>
             <a:fld id="{7A981A49-1134-4C8A-838E-B7F84D3B52DD}" type="datetimeFigureOut">
               <a:rPr lang="hu-HU" smtClean="0"/>
-              <a:t>2025. 04. 06.</a:t>
+              <a:t>2025. 04. 09.</a:t>
             </a:fld>
             <a:endParaRPr lang="hu-HU"/>
           </a:p>
@@ -5007,7 +5012,7 @@
           <a:p>
             <a:fld id="{7A981A49-1134-4C8A-838E-B7F84D3B52DD}" type="datetimeFigureOut">
               <a:rPr lang="hu-HU" smtClean="0"/>
-              <a:t>2025. 04. 06.</a:t>
+              <a:t>2025. 04. 09.</a:t>
             </a:fld>
             <a:endParaRPr lang="hu-HU"/>
           </a:p>
@@ -5290,7 +5295,7 @@
           <a:p>
             <a:fld id="{7A981A49-1134-4C8A-838E-B7F84D3B52DD}" type="datetimeFigureOut">
               <a:rPr lang="hu-HU" smtClean="0"/>
-              <a:t>2025. 04. 06.</a:t>
+              <a:t>2025. 04. 09.</a:t>
             </a:fld>
             <a:endParaRPr lang="hu-HU"/>
           </a:p>
@@ -5581,7 +5586,7 @@
           <a:p>
             <a:fld id="{7A981A49-1134-4C8A-838E-B7F84D3B52DD}" type="datetimeFigureOut">
               <a:rPr lang="hu-HU" smtClean="0"/>
-              <a:t>2025. 04. 06.</a:t>
+              <a:t>2025. 04. 09.</a:t>
             </a:fld>
             <a:endParaRPr lang="hu-HU"/>
           </a:p>
@@ -5812,7 +5817,7 @@
           <a:p>
             <a:fld id="{7A981A49-1134-4C8A-838E-B7F84D3B52DD}" type="datetimeFigureOut">
               <a:rPr lang="hu-HU" smtClean="0"/>
-              <a:t>2025. 04. 06.</a:t>
+              <a:t>2025. 04. 09.</a:t>
             </a:fld>
             <a:endParaRPr lang="hu-HU"/>
           </a:p>
@@ -6680,6 +6685,621 @@
 </p:sld>
 </file>
 
+<file path=ppt/slides/slide10.xml><?xml version="1.0" encoding="utf-8"?>
+<p:sld xmlns:a="http://schemas.openxmlformats.org/drawingml/2006/main" xmlns:r="http://schemas.openxmlformats.org/officeDocument/2006/relationships" xmlns:p="http://schemas.openxmlformats.org/presentationml/2006/main">
+  <p:cSld>
+    <p:spTree>
+      <p:nvGrpSpPr>
+        <p:cNvPr id="1" name=""/>
+        <p:cNvGrpSpPr/>
+        <p:nvPr/>
+      </p:nvGrpSpPr>
+      <p:grpSpPr>
+        <a:xfrm>
+          <a:off x="0" y="0"/>
+          <a:ext cx="0" cy="0"/>
+          <a:chOff x="0" y="0"/>
+          <a:chExt cx="0" cy="0"/>
+        </a:xfrm>
+      </p:grpSpPr>
+      <p:sp>
+        <p:nvSpPr>
+          <p:cNvPr id="2" name="Cím 1">
+            <a:extLst>
+              <a:ext uri="{FF2B5EF4-FFF2-40B4-BE49-F238E27FC236}">
+                <a16:creationId xmlns:a16="http://schemas.microsoft.com/office/drawing/2014/main" id="{39E6C274-8025-D8DE-C089-1A3131F1C835}"/>
+              </a:ext>
+            </a:extLst>
+          </p:cNvPr>
+          <p:cNvSpPr>
+            <a:spLocks noGrp="1"/>
+          </p:cNvSpPr>
+          <p:nvPr>
+            <p:ph type="title"/>
+          </p:nvPr>
+        </p:nvSpPr>
+        <p:spPr/>
+        <p:txBody>
+          <a:bodyPr/>
+          <a:lstStyle/>
+          <a:p>
+            <a:r>
+              <a:rPr lang="hu-HU" dirty="0"/>
+              <a:t>Generikus Piaci Stratégia</a:t>
+            </a:r>
+          </a:p>
+        </p:txBody>
+      </p:sp>
+      <p:sp>
+        <p:nvSpPr>
+          <p:cNvPr id="3" name="Tartalom helye 2">
+            <a:extLst>
+              <a:ext uri="{FF2B5EF4-FFF2-40B4-BE49-F238E27FC236}">
+                <a16:creationId xmlns:a16="http://schemas.microsoft.com/office/drawing/2014/main" id="{8984E130-6B69-2D5E-CF92-AB8FCA283163}"/>
+              </a:ext>
+            </a:extLst>
+          </p:cNvPr>
+          <p:cNvSpPr>
+            <a:spLocks noGrp="1"/>
+          </p:cNvSpPr>
+          <p:nvPr>
+            <p:ph idx="1"/>
+          </p:nvPr>
+        </p:nvSpPr>
+        <p:spPr/>
+        <p:txBody>
+          <a:bodyPr/>
+          <a:lstStyle/>
+          <a:p>
+            <a:r>
+              <a:rPr lang="hu-HU" dirty="0"/>
+              <a:t>Réspiaci </a:t>
+            </a:r>
+            <a:r>
+              <a:rPr lang="hu-HU" dirty="0" err="1"/>
+              <a:t>Startégia</a:t>
+            </a:r>
+            <a:r>
+              <a:rPr lang="hu-HU" dirty="0"/>
+              <a:t>:</a:t>
+            </a:r>
+          </a:p>
+          <a:p>
+            <a:pPr lvl="1"/>
+            <a:r>
+              <a:rPr lang="hu-HU" dirty="0"/>
+              <a:t>Kezdetben -&gt; Szűk réteg, kihasználatlan terület.</a:t>
+            </a:r>
+          </a:p>
+          <a:p>
+            <a:r>
+              <a:rPr lang="hu-HU" dirty="0"/>
+              <a:t>Differenciáló Stratégia:</a:t>
+            </a:r>
+          </a:p>
+          <a:p>
+            <a:pPr lvl="1"/>
+            <a:r>
+              <a:rPr lang="hu-HU" dirty="0"/>
+              <a:t>Későbbiekben -&gt; Gyorsan fejlődő terület, hamar telítődik a piac -&gt; kell az egyediség</a:t>
+            </a:r>
+          </a:p>
+          <a:p>
+            <a:endParaRPr lang="hu-HU" dirty="0"/>
+          </a:p>
+        </p:txBody>
+      </p:sp>
+    </p:spTree>
+    <p:extLst>
+      <p:ext uri="{BB962C8B-B14F-4D97-AF65-F5344CB8AC3E}">
+        <p14:creationId xmlns:p14="http://schemas.microsoft.com/office/powerpoint/2010/main" val="3336427666"/>
+      </p:ext>
+    </p:extLst>
+  </p:cSld>
+  <p:clrMapOvr>
+    <a:masterClrMapping/>
+  </p:clrMapOvr>
+</p:sld>
+</file>
+
+<file path=ppt/slides/slide11.xml><?xml version="1.0" encoding="utf-8"?>
+<p:sld xmlns:a="http://schemas.openxmlformats.org/drawingml/2006/main" xmlns:r="http://schemas.openxmlformats.org/officeDocument/2006/relationships" xmlns:p="http://schemas.openxmlformats.org/presentationml/2006/main">
+  <p:cSld>
+    <p:spTree>
+      <p:nvGrpSpPr>
+        <p:cNvPr id="1" name=""/>
+        <p:cNvGrpSpPr/>
+        <p:nvPr/>
+      </p:nvGrpSpPr>
+      <p:grpSpPr>
+        <a:xfrm>
+          <a:off x="0" y="0"/>
+          <a:ext cx="0" cy="0"/>
+          <a:chOff x="0" y="0"/>
+          <a:chExt cx="0" cy="0"/>
+        </a:xfrm>
+      </p:grpSpPr>
+      <p:sp>
+        <p:nvSpPr>
+          <p:cNvPr id="2" name="Cím 1">
+            <a:extLst>
+              <a:ext uri="{FF2B5EF4-FFF2-40B4-BE49-F238E27FC236}">
+                <a16:creationId xmlns:a16="http://schemas.microsoft.com/office/drawing/2014/main" id="{CA803EC6-E993-65C4-6C4E-942CAF51A7C8}"/>
+              </a:ext>
+            </a:extLst>
+          </p:cNvPr>
+          <p:cNvSpPr>
+            <a:spLocks noGrp="1"/>
+          </p:cNvSpPr>
+          <p:nvPr>
+            <p:ph type="title"/>
+          </p:nvPr>
+        </p:nvSpPr>
+        <p:spPr/>
+        <p:txBody>
+          <a:bodyPr/>
+          <a:lstStyle/>
+          <a:p>
+            <a:r>
+              <a:rPr lang="hu-HU" dirty="0"/>
+              <a:t>Finanszírozási Forma</a:t>
+            </a:r>
+          </a:p>
+        </p:txBody>
+      </p:sp>
+      <p:sp>
+        <p:nvSpPr>
+          <p:cNvPr id="3" name="Tartalom helye 2">
+            <a:extLst>
+              <a:ext uri="{FF2B5EF4-FFF2-40B4-BE49-F238E27FC236}">
+                <a16:creationId xmlns:a16="http://schemas.microsoft.com/office/drawing/2014/main" id="{D52B97CD-C9CE-72D4-9A8E-DDFC3285EAD6}"/>
+              </a:ext>
+            </a:extLst>
+          </p:cNvPr>
+          <p:cNvSpPr>
+            <a:spLocks noGrp="1"/>
+          </p:cNvSpPr>
+          <p:nvPr>
+            <p:ph idx="1"/>
+          </p:nvPr>
+        </p:nvSpPr>
+        <p:spPr/>
+        <p:txBody>
+          <a:bodyPr/>
+          <a:lstStyle/>
+          <a:p>
+            <a:r>
+              <a:rPr lang="hu-HU" dirty="0"/>
+              <a:t>Állami Pályázatok:</a:t>
+            </a:r>
+          </a:p>
+          <a:p>
+            <a:pPr lvl="1"/>
+            <a:r>
+              <a:rPr lang="hu-HU" dirty="0"/>
+              <a:t>Kezdetben itthon, később külföldi terjeszkedéssel (Nagy az elektromos autózás támogatottsága EU szinten – EU-s és tagállamos egyéni támogatások.</a:t>
+            </a:r>
+          </a:p>
+          <a:p>
+            <a:r>
+              <a:rPr lang="hu-HU" dirty="0"/>
+              <a:t>Kockázati befektetők:</a:t>
+            </a:r>
+          </a:p>
+          <a:p>
+            <a:pPr lvl="1"/>
+            <a:r>
+              <a:rPr lang="hu-HU" dirty="0"/>
+              <a:t>Piac folyamatos robbanásszerű növekedése -&gt; csábító a befektetők számára</a:t>
+            </a:r>
+          </a:p>
+        </p:txBody>
+      </p:sp>
+    </p:spTree>
+    <p:extLst>
+      <p:ext uri="{BB962C8B-B14F-4D97-AF65-F5344CB8AC3E}">
+        <p14:creationId xmlns:p14="http://schemas.microsoft.com/office/powerpoint/2010/main" val="248317704"/>
+      </p:ext>
+    </p:extLst>
+  </p:cSld>
+  <p:clrMapOvr>
+    <a:masterClrMapping/>
+  </p:clrMapOvr>
+</p:sld>
+</file>
+
+<file path=ppt/slides/slide12.xml><?xml version="1.0" encoding="utf-8"?>
+<p:sld xmlns:a="http://schemas.openxmlformats.org/drawingml/2006/main" xmlns:r="http://schemas.openxmlformats.org/officeDocument/2006/relationships" xmlns:p="http://schemas.openxmlformats.org/presentationml/2006/main">
+  <p:cSld>
+    <p:spTree>
+      <p:nvGrpSpPr>
+        <p:cNvPr id="1" name=""/>
+        <p:cNvGrpSpPr/>
+        <p:nvPr/>
+      </p:nvGrpSpPr>
+      <p:grpSpPr>
+        <a:xfrm>
+          <a:off x="0" y="0"/>
+          <a:ext cx="0" cy="0"/>
+          <a:chOff x="0" y="0"/>
+          <a:chExt cx="0" cy="0"/>
+        </a:xfrm>
+      </p:grpSpPr>
+      <p:sp>
+        <p:nvSpPr>
+          <p:cNvPr id="2" name="Cím 1">
+            <a:extLst>
+              <a:ext uri="{FF2B5EF4-FFF2-40B4-BE49-F238E27FC236}">
+                <a16:creationId xmlns:a16="http://schemas.microsoft.com/office/drawing/2014/main" id="{5D2A79E2-F6F8-D6B7-0730-B4568AF1A581}"/>
+              </a:ext>
+            </a:extLst>
+          </p:cNvPr>
+          <p:cNvSpPr>
+            <a:spLocks noGrp="1"/>
+          </p:cNvSpPr>
+          <p:nvPr>
+            <p:ph type="title"/>
+          </p:nvPr>
+        </p:nvSpPr>
+        <p:spPr/>
+        <p:txBody>
+          <a:bodyPr/>
+          <a:lstStyle/>
+          <a:p>
+            <a:r>
+              <a:rPr lang="hu-HU" dirty="0"/>
+              <a:t>Együttműködések és Stratégiai Szövetségek</a:t>
+            </a:r>
+          </a:p>
+        </p:txBody>
+      </p:sp>
+      <p:sp>
+        <p:nvSpPr>
+          <p:cNvPr id="3" name="Tartalom helye 2">
+            <a:extLst>
+              <a:ext uri="{FF2B5EF4-FFF2-40B4-BE49-F238E27FC236}">
+                <a16:creationId xmlns:a16="http://schemas.microsoft.com/office/drawing/2014/main" id="{0B1DF54A-AA6F-4EF4-1369-9C90151730A2}"/>
+              </a:ext>
+            </a:extLst>
+          </p:cNvPr>
+          <p:cNvSpPr>
+            <a:spLocks noGrp="1"/>
+          </p:cNvSpPr>
+          <p:nvPr>
+            <p:ph idx="1"/>
+          </p:nvPr>
+        </p:nvSpPr>
+        <p:spPr/>
+        <p:txBody>
+          <a:bodyPr/>
+          <a:lstStyle/>
+          <a:p>
+            <a:r>
+              <a:rPr lang="hu-HU" dirty="0"/>
+              <a:t>Elektromos autógyártók – Előre beépített töltő rendszer</a:t>
+            </a:r>
+          </a:p>
+          <a:p>
+            <a:r>
+              <a:rPr lang="hu-HU" dirty="0"/>
+              <a:t>Szervizek – utólagos beépítés</a:t>
+            </a:r>
+          </a:p>
+          <a:p>
+            <a:r>
+              <a:rPr lang="hu-HU" dirty="0"/>
+              <a:t>Útkezelők – Utak átalakítása, kiépítése</a:t>
+            </a:r>
+          </a:p>
+          <a:p>
+            <a:r>
+              <a:rPr lang="hu-HU" dirty="0"/>
+              <a:t>Egyéb építő cégek – Parkolók, Parkolóházak</a:t>
+            </a:r>
+          </a:p>
+          <a:p>
+            <a:r>
+              <a:rPr lang="hu-HU" dirty="0"/>
+              <a:t>Állami együttműködések – Állami befektetések a jelenlegi Zöldítésért egész Európában</a:t>
+            </a:r>
+          </a:p>
+        </p:txBody>
+      </p:sp>
+    </p:spTree>
+    <p:extLst>
+      <p:ext uri="{BB962C8B-B14F-4D97-AF65-F5344CB8AC3E}">
+        <p14:creationId xmlns:p14="http://schemas.microsoft.com/office/powerpoint/2010/main" val="918936786"/>
+      </p:ext>
+    </p:extLst>
+  </p:cSld>
+  <p:clrMapOvr>
+    <a:masterClrMapping/>
+  </p:clrMapOvr>
+</p:sld>
+</file>
+
+<file path=ppt/slides/slide13.xml><?xml version="1.0" encoding="utf-8"?>
+<p:sld xmlns:a="http://schemas.openxmlformats.org/drawingml/2006/main" xmlns:r="http://schemas.openxmlformats.org/officeDocument/2006/relationships" xmlns:p="http://schemas.openxmlformats.org/presentationml/2006/main">
+  <p:cSld>
+    <p:spTree>
+      <p:nvGrpSpPr>
+        <p:cNvPr id="1" name=""/>
+        <p:cNvGrpSpPr/>
+        <p:nvPr/>
+      </p:nvGrpSpPr>
+      <p:grpSpPr>
+        <a:xfrm>
+          <a:off x="0" y="0"/>
+          <a:ext cx="0" cy="0"/>
+          <a:chOff x="0" y="0"/>
+          <a:chExt cx="0" cy="0"/>
+        </a:xfrm>
+      </p:grpSpPr>
+      <p:sp>
+        <p:nvSpPr>
+          <p:cNvPr id="2" name="Cím 1">
+            <a:extLst>
+              <a:ext uri="{FF2B5EF4-FFF2-40B4-BE49-F238E27FC236}">
+                <a16:creationId xmlns:a16="http://schemas.microsoft.com/office/drawing/2014/main" id="{1F0AC119-374D-7143-3F66-DA90531C3CBB}"/>
+              </a:ext>
+            </a:extLst>
+          </p:cNvPr>
+          <p:cNvSpPr>
+            <a:spLocks noGrp="1"/>
+          </p:cNvSpPr>
+          <p:nvPr>
+            <p:ph type="title"/>
+          </p:nvPr>
+        </p:nvSpPr>
+        <p:spPr/>
+        <p:txBody>
+          <a:bodyPr/>
+          <a:lstStyle/>
+          <a:p>
+            <a:r>
+              <a:rPr lang="hu-HU" dirty="0"/>
+              <a:t>Pozitív Hatások a Társadalomra és a Környezetre</a:t>
+            </a:r>
+          </a:p>
+        </p:txBody>
+      </p:sp>
+      <p:sp>
+        <p:nvSpPr>
+          <p:cNvPr id="3" name="Tartalom helye 2">
+            <a:extLst>
+              <a:ext uri="{FF2B5EF4-FFF2-40B4-BE49-F238E27FC236}">
+                <a16:creationId xmlns:a16="http://schemas.microsoft.com/office/drawing/2014/main" id="{7A32645F-4271-826A-1AAC-0837430C0A30}"/>
+              </a:ext>
+            </a:extLst>
+          </p:cNvPr>
+          <p:cNvSpPr>
+            <a:spLocks noGrp="1"/>
+          </p:cNvSpPr>
+          <p:nvPr>
+            <p:ph idx="1"/>
+          </p:nvPr>
+        </p:nvSpPr>
+        <p:spPr/>
+        <p:txBody>
+          <a:bodyPr>
+            <a:normAutofit fontScale="85000" lnSpcReduction="20000"/>
+          </a:bodyPr>
+          <a:lstStyle/>
+          <a:p>
+            <a:r>
+              <a:rPr lang="hu-HU" dirty="0"/>
+              <a:t>Környezeti hatások:</a:t>
+            </a:r>
+          </a:p>
+          <a:p>
+            <a:pPr lvl="1"/>
+            <a:r>
+              <a:rPr lang="hu-HU" dirty="0"/>
+              <a:t>A fosszilis tüzelőanyagoktól való függőség csökkentése</a:t>
+            </a:r>
+          </a:p>
+          <a:p>
+            <a:pPr lvl="1"/>
+            <a:r>
+              <a:rPr lang="hu-HU" dirty="0"/>
+              <a:t>A légszennyezés csökkentése a városokban</a:t>
+            </a:r>
+          </a:p>
+          <a:p>
+            <a:pPr lvl="1"/>
+            <a:r>
+              <a:rPr lang="hu-HU" dirty="0"/>
+              <a:t>Zajszennyezés mérséklése</a:t>
+            </a:r>
+          </a:p>
+          <a:p>
+            <a:pPr lvl="1"/>
+            <a:r>
+              <a:rPr lang="hu-HU" dirty="0"/>
+              <a:t>A közlekedés ökológiai lábnyomának csökkentése</a:t>
+            </a:r>
+          </a:p>
+          <a:p>
+            <a:r>
+              <a:rPr lang="hu-HU" dirty="0"/>
+              <a:t>Társadalmi hatások:</a:t>
+            </a:r>
+          </a:p>
+          <a:p>
+            <a:pPr lvl="1"/>
+            <a:r>
+              <a:rPr lang="hu-HU" dirty="0"/>
+              <a:t>Kényelmesebb és stresszmentesebb utazás – Hatótáv miatti stressz csökken</a:t>
+            </a:r>
+          </a:p>
+          <a:p>
+            <a:pPr lvl="1"/>
+            <a:r>
+              <a:rPr lang="hu-HU" dirty="0"/>
+              <a:t>Jobb életminőség a városokban</a:t>
+            </a:r>
+          </a:p>
+          <a:p>
+            <a:pPr lvl="1"/>
+            <a:r>
+              <a:rPr lang="hu-HU" dirty="0"/>
+              <a:t>Innováció és technológiai fejlődés ösztönzése</a:t>
+            </a:r>
+          </a:p>
+          <a:p>
+            <a:pPr lvl="1"/>
+            <a:r>
+              <a:rPr lang="hu-HU" dirty="0"/>
+              <a:t>Hozzájárulás a fenntartható jövőhöz</a:t>
+            </a:r>
+          </a:p>
+        </p:txBody>
+      </p:sp>
+    </p:spTree>
+    <p:extLst>
+      <p:ext uri="{BB962C8B-B14F-4D97-AF65-F5344CB8AC3E}">
+        <p14:creationId xmlns:p14="http://schemas.microsoft.com/office/powerpoint/2010/main" val="3021619847"/>
+      </p:ext>
+    </p:extLst>
+  </p:cSld>
+  <p:clrMapOvr>
+    <a:masterClrMapping/>
+  </p:clrMapOvr>
+</p:sld>
+</file>
+
+<file path=ppt/slides/slide14.xml><?xml version="1.0" encoding="utf-8"?>
+<p:sld xmlns:a="http://schemas.openxmlformats.org/drawingml/2006/main" xmlns:r="http://schemas.openxmlformats.org/officeDocument/2006/relationships" xmlns:p="http://schemas.openxmlformats.org/presentationml/2006/main">
+  <p:cSld>
+    <p:spTree>
+      <p:nvGrpSpPr>
+        <p:cNvPr id="1" name=""/>
+        <p:cNvGrpSpPr/>
+        <p:nvPr/>
+      </p:nvGrpSpPr>
+      <p:grpSpPr>
+        <a:xfrm>
+          <a:off x="0" y="0"/>
+          <a:ext cx="0" cy="0"/>
+          <a:chOff x="0" y="0"/>
+          <a:chExt cx="0" cy="0"/>
+        </a:xfrm>
+      </p:grpSpPr>
+      <p:sp>
+        <p:nvSpPr>
+          <p:cNvPr id="2" name="Cím 1">
+            <a:extLst>
+              <a:ext uri="{FF2B5EF4-FFF2-40B4-BE49-F238E27FC236}">
+                <a16:creationId xmlns:a16="http://schemas.microsoft.com/office/drawing/2014/main" id="{587333BA-229B-09C7-CDD5-AAB89F92FA58}"/>
+              </a:ext>
+            </a:extLst>
+          </p:cNvPr>
+          <p:cNvSpPr>
+            <a:spLocks noGrp="1"/>
+          </p:cNvSpPr>
+          <p:nvPr>
+            <p:ph type="title"/>
+          </p:nvPr>
+        </p:nvSpPr>
+        <p:spPr/>
+        <p:txBody>
+          <a:bodyPr/>
+          <a:lstStyle/>
+          <a:p>
+            <a:pPr algn="ctr"/>
+            <a:r>
+              <a:rPr lang="hu-HU" b="1" dirty="0"/>
+              <a:t>Köszönjük szépen a figyelmet!</a:t>
+            </a:r>
+          </a:p>
+        </p:txBody>
+      </p:sp>
+      <p:sp>
+        <p:nvSpPr>
+          <p:cNvPr id="3" name="Tartalom helye 2">
+            <a:extLst>
+              <a:ext uri="{FF2B5EF4-FFF2-40B4-BE49-F238E27FC236}">
+                <a16:creationId xmlns:a16="http://schemas.microsoft.com/office/drawing/2014/main" id="{3EE0C7F5-F641-37A7-44F0-675EEA4DDCDC}"/>
+              </a:ext>
+            </a:extLst>
+          </p:cNvPr>
+          <p:cNvSpPr>
+            <a:spLocks noGrp="1"/>
+          </p:cNvSpPr>
+          <p:nvPr>
+            <p:ph idx="1"/>
+          </p:nvPr>
+        </p:nvSpPr>
+        <p:spPr/>
+        <p:txBody>
+          <a:bodyPr/>
+          <a:lstStyle/>
+          <a:p>
+            <a:pPr marL="0" indent="0" algn="ctr">
+              <a:buNone/>
+            </a:pPr>
+            <a:r>
+              <a:rPr lang="hu-HU" dirty="0"/>
+              <a:t>Reméljük vállalkozásunk elnyerte érdeklődésüket. </a:t>
+            </a:r>
+          </a:p>
+          <a:p>
+            <a:pPr marL="0" indent="0" algn="ctr">
+              <a:buNone/>
+            </a:pPr>
+            <a:r>
+              <a:rPr lang="hu-HU" dirty="0"/>
+              <a:t>Bármi egyéb kérdés esetén keressenek minket bátran!</a:t>
+            </a:r>
+          </a:p>
+          <a:p>
+            <a:pPr marL="0" indent="0" algn="ctr">
+              <a:buNone/>
+            </a:pPr>
+            <a:endParaRPr lang="hu-HU" dirty="0"/>
+          </a:p>
+          <a:p>
+            <a:pPr marL="0" indent="0" algn="ctr">
+              <a:buNone/>
+            </a:pPr>
+            <a:r>
+              <a:rPr lang="hu-HU" b="1" dirty="0"/>
+              <a:t>ELTE – 2025.04.08.</a:t>
+            </a:r>
+          </a:p>
+          <a:p>
+            <a:pPr marL="0" indent="0" algn="ctr">
+              <a:buNone/>
+            </a:pPr>
+            <a:r>
+              <a:rPr lang="hu-HU" b="1" dirty="0"/>
+              <a:t>Innovatív Vállalkozás menedzsment – Csoport 2</a:t>
+            </a:r>
+          </a:p>
+          <a:p>
+            <a:pPr marL="0" indent="0" algn="ctr">
+              <a:buNone/>
+            </a:pPr>
+            <a:r>
+              <a:rPr lang="hu-HU" b="1" dirty="0"/>
+              <a:t>Menet közben tölthető elektromos autó</a:t>
+            </a:r>
+          </a:p>
+        </p:txBody>
+      </p:sp>
+    </p:spTree>
+    <p:extLst>
+      <p:ext uri="{BB962C8B-B14F-4D97-AF65-F5344CB8AC3E}">
+        <p14:creationId xmlns:p14="http://schemas.microsoft.com/office/powerpoint/2010/main" val="764203006"/>
+      </p:ext>
+    </p:extLst>
+  </p:cSld>
+  <p:clrMapOvr>
+    <a:masterClrMapping/>
+  </p:clrMapOvr>
+</p:sld>
+</file>
+
 <file path=ppt/slides/slide2.xml><?xml version="1.0" encoding="utf-8"?>
 <p:sld xmlns:a="http://schemas.openxmlformats.org/drawingml/2006/main" xmlns:r="http://schemas.openxmlformats.org/officeDocument/2006/relationships" xmlns:p="http://schemas.openxmlformats.org/presentationml/2006/main">
   <p:cSld>
